--- a/ppt/PythonMath08-FFT.pptx
+++ b/ppt/PythonMath08-FFT.pptx
@@ -5,17 +5,16 @@
     <p:sldMasterId id="2147483653" r:id="rId1"/>
   </p:sldMasterIdLst>
   <p:notesMasterIdLst>
-    <p:notesMasterId r:id="rId7"/>
+    <p:notesMasterId r:id="rId6"/>
   </p:notesMasterIdLst>
   <p:handoutMasterIdLst>
-    <p:handoutMasterId r:id="rId8"/>
+    <p:handoutMasterId r:id="rId7"/>
   </p:handoutMasterIdLst>
   <p:sldIdLst>
     <p:sldId id="264" r:id="rId2"/>
     <p:sldId id="276" r:id="rId3"/>
     <p:sldId id="274" r:id="rId4"/>
-    <p:sldId id="275" r:id="rId5"/>
-    <p:sldId id="273" r:id="rId6"/>
+    <p:sldId id="273" r:id="rId5"/>
   </p:sldIdLst>
   <p:sldSz cx="9144000" cy="6858000" type="screen4x3"/>
   <p:notesSz cx="6648450" cy="9782175"/>
@@ -3839,7 +3838,7 @@
           <a:p>
             <a:r>
               <a:rPr lang="fr-FR" dirty="0"/>
-              <a:t>np.inf et –np.inf</a:t>
+              <a:t>np.inf</a:t>
             </a:r>
           </a:p>
           <a:p>
@@ -3980,180 +3979,6 @@
 </file>
 
 <file path=ppt/slides/slide4.xml><?xml version="1.0" encoding="utf-8"?>
-<p:sld xmlns:a="http://schemas.openxmlformats.org/drawingml/2006/main" xmlns:r="http://schemas.openxmlformats.org/officeDocument/2006/relationships" xmlns:p="http://schemas.openxmlformats.org/presentationml/2006/main">
-  <p:cSld>
-    <p:spTree>
-      <p:nvGrpSpPr>
-        <p:cNvPr id="1" name=""/>
-        <p:cNvGrpSpPr/>
-        <p:nvPr/>
-      </p:nvGrpSpPr>
-      <p:grpSpPr>
-        <a:xfrm>
-          <a:off x="0" y="0"/>
-          <a:ext cx="0" cy="0"/>
-          <a:chOff x="0" y="0"/>
-          <a:chExt cx="0" cy="0"/>
-        </a:xfrm>
-      </p:grpSpPr>
-      <p:sp>
-        <p:nvSpPr>
-          <p:cNvPr id="2" name="Titre 1"/>
-          <p:cNvSpPr>
-            <a:spLocks noGrp="1"/>
-          </p:cNvSpPr>
-          <p:nvPr>
-            <p:ph type="title"/>
-          </p:nvPr>
-        </p:nvSpPr>
-        <p:spPr/>
-        <p:txBody>
-          <a:bodyPr/>
-          <a:lstStyle/>
-          <a:p>
-            <a:r>
-              <a:rPr lang="fr-FR" dirty="0"/>
-              <a:t>Les nombres complexes</a:t>
-            </a:r>
-          </a:p>
-        </p:txBody>
-      </p:sp>
-      <p:sp>
-        <p:nvSpPr>
-          <p:cNvPr id="3" name="Espace réservé du contenu 2"/>
-          <p:cNvSpPr>
-            <a:spLocks noGrp="1"/>
-          </p:cNvSpPr>
-          <p:nvPr>
-            <p:ph idx="1"/>
-          </p:nvPr>
-        </p:nvSpPr>
-        <p:spPr/>
-        <p:txBody>
-          <a:bodyPr/>
-          <a:lstStyle/>
-          <a:p>
-            <a:r>
-              <a:rPr lang="fr-FR" dirty="0"/>
-              <a:t>Exemple</a:t>
-            </a:r>
-          </a:p>
-          <a:p>
-            <a:pPr lvl="1"/>
-            <a:r>
-              <a:rPr lang="fr-FR" dirty="0"/>
-              <a:t>x = </a:t>
-            </a:r>
-            <a:r>
-              <a:rPr lang="fr-FR" dirty="0" err="1"/>
-              <a:t>np.array</a:t>
-            </a:r>
-            <a:r>
-              <a:rPr lang="fr-FR" dirty="0"/>
-              <a:t>([[ 1.+0.j, 2.+0.j], [ 0.+0.j, 0.+0.j], [ 1.+1.j, 3.+0.j]]) </a:t>
-            </a:r>
-          </a:p>
-          <a:p>
-            <a:r>
-              <a:rPr lang="fr-FR" dirty="0" err="1"/>
-              <a:t>Np.eig</a:t>
-            </a:r>
-            <a:endParaRPr lang="fr-FR" dirty="0"/>
-          </a:p>
-          <a:p>
-            <a:pPr lvl="1"/>
-            <a:r>
-              <a:rPr lang="fr-FR" dirty="0"/>
-              <a:t># </a:t>
-            </a:r>
-            <a:r>
-              <a:rPr lang="fr-FR" dirty="0" err="1"/>
-              <a:t>eigenvalues</a:t>
-            </a:r>
-            <a:r>
-              <a:rPr lang="fr-FR" dirty="0"/>
-              <a:t>/</a:t>
-            </a:r>
-            <a:r>
-              <a:rPr lang="fr-FR" dirty="0" err="1"/>
-              <a:t>eigenvectors</a:t>
-            </a:r>
-            <a:r>
-              <a:rPr lang="fr-FR" dirty="0"/>
-              <a:t> of matrix </a:t>
-            </a:r>
-          </a:p>
-          <a:p>
-            <a:pPr lvl="1"/>
-            <a:r>
-              <a:rPr lang="en-US" dirty="0"/>
-              <a:t>j = </a:t>
-            </a:r>
-            <a:r>
-              <a:rPr lang="en-US" dirty="0" err="1"/>
-              <a:t>np.array</a:t>
-            </a:r>
-            <a:r>
-              <a:rPr lang="en-US" dirty="0"/>
-              <a:t>([[0.0, -1.0], [1.0, 0.0]]) </a:t>
-            </a:r>
-          </a:p>
-          <a:p>
-            <a:pPr lvl="1"/>
-            <a:r>
-              <a:rPr lang="en-US" dirty="0"/>
-              <a:t>np. </a:t>
-            </a:r>
-            <a:r>
-              <a:rPr lang="en-US" dirty="0" err="1"/>
-              <a:t>eig</a:t>
-            </a:r>
-            <a:r>
-              <a:rPr lang="en-US" dirty="0"/>
-              <a:t>(j)</a:t>
-            </a:r>
-          </a:p>
-          <a:p>
-            <a:pPr lvl="1"/>
-            <a:r>
-              <a:rPr lang="en-US" dirty="0"/>
-              <a:t>(array([ 0.+1.j, 0.-1.j]), </a:t>
-            </a:r>
-            <a:br>
-              <a:rPr lang="en-US" dirty="0"/>
-            </a:br>
-            <a:r>
-              <a:rPr lang="en-US" dirty="0"/>
-              <a:t> array([[ 0.70710678+0.j, 0.70710678+0.j], </a:t>
-            </a:r>
-            <a:br>
-              <a:rPr lang="en-US" dirty="0"/>
-            </a:br>
-            <a:r>
-              <a:rPr lang="en-US" dirty="0"/>
-              <a:t>        [ 0.00000000-0.70710678j, 0.00000000+0.70710678j]])) </a:t>
-            </a:r>
-            <a:br>
-              <a:rPr lang="en-US" dirty="0"/>
-            </a:br>
-            <a:endParaRPr lang="fr-FR" dirty="0"/>
-          </a:p>
-        </p:txBody>
-      </p:sp>
-    </p:spTree>
-    <p:extLst>
-      <p:ext uri="{BB962C8B-B14F-4D97-AF65-F5344CB8AC3E}">
-        <p14:creationId xmlns:p14="http://schemas.microsoft.com/office/powerpoint/2010/main" val="3202361860"/>
-      </p:ext>
-    </p:extLst>
-  </p:cSld>
-  <p:clrMapOvr>
-    <a:masterClrMapping/>
-  </p:clrMapOvr>
-</p:sld>
-</file>
-
-<file path=ppt/slides/slide5.xml><?xml version="1.0" encoding="utf-8"?>
 <p:sld xmlns:a="http://schemas.openxmlformats.org/drawingml/2006/main" xmlns:r="http://schemas.openxmlformats.org/officeDocument/2006/relationships" xmlns:p="http://schemas.openxmlformats.org/presentationml/2006/main">
   <p:cSld>
     <p:spTree>
